--- a/documentation/docTravail/seancesTravail/cyber/Simu.pptx
+++ b/documentation/docTravail/seancesTravail/cyber/Simu.pptx
@@ -139,7 +139,7 @@
   </p:defaultTextStyle>
   <p:extLst>
     <p:ext uri="{EFAFB233-063F-42B5-8137-9DF3F51BA10A}">
-      <p15:sldGuideLst xmlns:p15="http://schemas.microsoft.com/office/powerpoint/2012/main" xmlns="">
+      <p15:sldGuideLst xmlns="" xmlns:p15="http://schemas.microsoft.com/office/powerpoint/2012/main">
         <p15:guide id="1" orient="horz" pos="9526">
           <p15:clr>
             <a:srgbClr val="A4A3A4"/>
@@ -263,7 +263,7 @@
               <a:pPr>
                 <a:defRPr/>
               </a:pPr>
-              <a:t>23/03/2016</a:t>
+              <a:t>06/04/2016</a:t>
             </a:fld>
             <a:endParaRPr lang="fr-FR"/>
           </a:p>
@@ -1131,7 +1131,7 @@
               <a:pPr>
                 <a:defRPr/>
               </a:pPr>
-              <a:t>23/03/2016</a:t>
+              <a:t>06/04/2016</a:t>
             </a:fld>
             <a:endParaRPr lang="fr-FR"/>
           </a:p>
@@ -1333,7 +1333,7 @@
               <a:pPr>
                 <a:defRPr/>
               </a:pPr>
-              <a:t>23/03/2016</a:t>
+              <a:t>06/04/2016</a:t>
             </a:fld>
             <a:endParaRPr lang="fr-FR"/>
           </a:p>
@@ -1525,7 +1525,7 @@
               <a:pPr>
                 <a:defRPr/>
               </a:pPr>
-              <a:t>23/03/2016</a:t>
+              <a:t>06/04/2016</a:t>
             </a:fld>
             <a:endParaRPr lang="fr-FR"/>
           </a:p>
@@ -1793,7 +1793,7 @@
               <a:pPr>
                 <a:defRPr/>
               </a:pPr>
-              <a:t>23/03/2016</a:t>
+              <a:t>06/04/2016</a:t>
             </a:fld>
             <a:endParaRPr lang="fr-FR"/>
           </a:p>
@@ -2103,7 +2103,7 @@
               <a:pPr>
                 <a:defRPr/>
               </a:pPr>
-              <a:t>23/03/2016</a:t>
+              <a:t>06/04/2016</a:t>
             </a:fld>
             <a:endParaRPr lang="fr-FR"/>
           </a:p>
@@ -2547,7 +2547,7 @@
               <a:pPr>
                 <a:defRPr/>
               </a:pPr>
-              <a:t>23/03/2016</a:t>
+              <a:t>06/04/2016</a:t>
             </a:fld>
             <a:endParaRPr lang="fr-FR"/>
           </a:p>
@@ -2687,7 +2687,7 @@
               <a:pPr>
                 <a:defRPr/>
               </a:pPr>
-              <a:t>23/03/2016</a:t>
+              <a:t>06/04/2016</a:t>
             </a:fld>
             <a:endParaRPr lang="fr-FR"/>
           </a:p>
@@ -2804,7 +2804,7 @@
               <a:pPr>
                 <a:defRPr/>
               </a:pPr>
-              <a:t>23/03/2016</a:t>
+              <a:t>06/04/2016</a:t>
             </a:fld>
             <a:endParaRPr lang="fr-FR"/>
           </a:p>
@@ -3103,7 +3103,7 @@
               <a:pPr>
                 <a:defRPr/>
               </a:pPr>
-              <a:t>23/03/2016</a:t>
+              <a:t>06/04/2016</a:t>
             </a:fld>
             <a:endParaRPr lang="fr-FR"/>
           </a:p>
@@ -3381,7 +3381,7 @@
               <a:pPr>
                 <a:defRPr/>
               </a:pPr>
-              <a:t>23/03/2016</a:t>
+              <a:t>06/04/2016</a:t>
             </a:fld>
             <a:endParaRPr lang="fr-FR"/>
           </a:p>
@@ -3636,7 +3636,7 @@
               <a:pPr>
                 <a:defRPr/>
               </a:pPr>
-              <a:t>23/03/2016</a:t>
+              <a:t>06/04/2016</a:t>
             </a:fld>
             <a:endParaRPr lang="fr-FR"/>
           </a:p>
@@ -4158,6 +4158,54 @@
           <a:chExt cx="0" cy="0"/>
         </a:xfrm>
       </p:grpSpPr>
+      <p:sp>
+        <p:nvSpPr>
+          <p:cNvPr id="89" name="Rectangle 88"/>
+          <p:cNvSpPr/>
+          <p:nvPr/>
+        </p:nvSpPr>
+        <p:spPr>
+          <a:xfrm flipH="1">
+            <a:off x="12320839" y="6768803"/>
+            <a:ext cx="532800" cy="3650776"/>
+          </a:xfrm>
+          <a:prstGeom prst="rect">
+            <a:avLst/>
+          </a:prstGeom>
+          <a:solidFill>
+            <a:schemeClr val="bg1"/>
+          </a:solidFill>
+          <a:ln w="50800">
+            <a:solidFill>
+              <a:schemeClr val="tx1"/>
+            </a:solidFill>
+          </a:ln>
+        </p:spPr>
+        <p:style>
+          <a:lnRef idx="2">
+            <a:schemeClr val="accent1">
+              <a:shade val="50000"/>
+            </a:schemeClr>
+          </a:lnRef>
+          <a:fillRef idx="1">
+            <a:schemeClr val="accent1"/>
+          </a:fillRef>
+          <a:effectRef idx="0">
+            <a:schemeClr val="accent1"/>
+          </a:effectRef>
+          <a:fontRef idx="minor">
+            <a:schemeClr val="lt1"/>
+          </a:fontRef>
+        </p:style>
+        <p:txBody>
+          <a:bodyPr rtlCol="0" anchor="ctr"/>
+          <a:lstStyle/>
+          <a:p>
+            <a:pPr algn="ctr"/>
+            <a:endParaRPr lang="en-US"/>
+          </a:p>
+        </p:txBody>
+      </p:sp>
       <p:grpSp>
         <p:nvGrpSpPr>
           <p:cNvPr id="4" name="Groupe 3"/>
@@ -9694,19 +9742,21 @@
       </p:sp>
       <p:sp>
         <p:nvSpPr>
-          <p:cNvPr id="90" name="Flèche vers le bas 89"/>
+          <p:cNvPr id="184" name="Flèche vers le bas 183"/>
           <p:cNvSpPr/>
           <p:nvPr/>
         </p:nvSpPr>
         <p:spPr>
-          <a:xfrm rot="18804511">
-            <a:off x="5472584" y="4266520"/>
-            <a:ext cx="1042242" cy="2332847"/>
+          <a:xfrm>
+            <a:off x="7560961" y="7848923"/>
+            <a:ext cx="1042242" cy="1584176"/>
           </a:xfrm>
           <a:prstGeom prst="downArrow">
             <a:avLst/>
           </a:prstGeom>
-          <a:noFill/>
+          <a:solidFill>
+            <a:schemeClr val="bg1"/>
+          </a:solidFill>
           <a:ln w="50800">
             <a:solidFill>
               <a:schemeClr val="tx1"/>
@@ -9745,19 +9795,67 @@
       </p:sp>
       <p:sp>
         <p:nvSpPr>
-          <p:cNvPr id="181" name="Flèche vers le bas 180"/>
+          <p:cNvPr id="185" name="ZoneTexte 184"/>
+          <p:cNvSpPr txBox="1"/>
+          <p:nvPr/>
+        </p:nvSpPr>
+        <p:spPr>
+          <a:xfrm>
+            <a:off x="7867656" y="8117791"/>
+            <a:ext cx="385042" cy="523220"/>
+          </a:xfrm>
+          <a:prstGeom prst="rect">
+            <a:avLst/>
+          </a:prstGeom>
+          <a:noFill/>
+        </p:spPr>
+        <p:txBody>
+          <a:bodyPr wrap="none" rtlCol="0">
+            <a:spAutoFit/>
+          </a:bodyPr>
+          <a:lstStyle/>
+          <a:p>
+            <a:r>
+              <a:rPr lang="en-US" sz="2800" b="1" dirty="0">
+                <a:effectLst>
+                  <a:outerShdw blurRad="38100" dist="38100" dir="2700000" algn="tl">
+                    <a:srgbClr val="000000">
+                      <a:alpha val="43137"/>
+                    </a:srgbClr>
+                  </a:outerShdw>
+                </a:effectLst>
+              </a:rPr>
+              <a:t>2</a:t>
+            </a:r>
+            <a:endParaRPr lang="en-US" b="1" dirty="0">
+              <a:effectLst>
+                <a:outerShdw blurRad="38100" dist="38100" dir="2700000" algn="tl">
+                  <a:srgbClr val="000000">
+                    <a:alpha val="43137"/>
+                  </a:srgbClr>
+                </a:outerShdw>
+              </a:effectLst>
+            </a:endParaRPr>
+          </a:p>
+        </p:txBody>
+      </p:sp>
+      <p:sp>
+        <p:nvSpPr>
+          <p:cNvPr id="186" name="Flèche vers le bas 185"/>
           <p:cNvSpPr/>
           <p:nvPr/>
         </p:nvSpPr>
         <p:spPr>
-          <a:xfrm rot="2661821">
-            <a:off x="9220932" y="4312848"/>
-            <a:ext cx="1042242" cy="2278668"/>
+          <a:xfrm>
+            <a:off x="7525052" y="10873259"/>
+            <a:ext cx="1042242" cy="1471989"/>
           </a:xfrm>
           <a:prstGeom prst="downArrow">
             <a:avLst/>
           </a:prstGeom>
-          <a:noFill/>
+          <a:solidFill>
+            <a:schemeClr val="bg1"/>
+          </a:solidFill>
           <a:ln w="50800">
             <a:solidFill>
               <a:schemeClr val="tx1"/>
@@ -9796,13 +9894,409 @@
       </p:sp>
       <p:sp>
         <p:nvSpPr>
-          <p:cNvPr id="1024" name="ZoneTexte 1023"/>
+          <p:cNvPr id="187" name="ZoneTexte 186"/>
           <p:cNvSpPr txBox="1"/>
           <p:nvPr/>
         </p:nvSpPr>
         <p:spPr>
           <a:xfrm>
-            <a:off x="5661438" y="5040611"/>
+            <a:off x="7867656" y="11086033"/>
+            <a:ext cx="385042" cy="523220"/>
+          </a:xfrm>
+          <a:prstGeom prst="rect">
+            <a:avLst/>
+          </a:prstGeom>
+          <a:noFill/>
+        </p:spPr>
+        <p:txBody>
+          <a:bodyPr wrap="none" rtlCol="0">
+            <a:spAutoFit/>
+          </a:bodyPr>
+          <a:lstStyle/>
+          <a:p>
+            <a:r>
+              <a:rPr lang="en-US" sz="2800" b="1" dirty="0" smtClean="0">
+                <a:effectLst>
+                  <a:outerShdw blurRad="38100" dist="38100" dir="2700000" algn="tl">
+                    <a:srgbClr val="000000">
+                      <a:alpha val="43137"/>
+                    </a:srgbClr>
+                  </a:outerShdw>
+                </a:effectLst>
+              </a:rPr>
+              <a:t>3</a:t>
+            </a:r>
+            <a:endParaRPr lang="en-US" b="1" dirty="0">
+              <a:effectLst>
+                <a:outerShdw blurRad="38100" dist="38100" dir="2700000" algn="tl">
+                  <a:srgbClr val="000000">
+                    <a:alpha val="43137"/>
+                  </a:srgbClr>
+                </a:outerShdw>
+              </a:effectLst>
+            </a:endParaRPr>
+          </a:p>
+        </p:txBody>
+      </p:sp>
+      <p:sp>
+        <p:nvSpPr>
+          <p:cNvPr id="188" name="ZoneTexte 187"/>
+          <p:cNvSpPr txBox="1"/>
+          <p:nvPr/>
+        </p:nvSpPr>
+        <p:spPr>
+          <a:xfrm>
+            <a:off x="1332360" y="5190572"/>
+            <a:ext cx="3685624" cy="523220"/>
+          </a:xfrm>
+          <a:prstGeom prst="rect">
+            <a:avLst/>
+          </a:prstGeom>
+          <a:noFill/>
+        </p:spPr>
+        <p:txBody>
+          <a:bodyPr wrap="none" rtlCol="0">
+            <a:spAutoFit/>
+          </a:bodyPr>
+          <a:lstStyle/>
+          <a:p>
+            <a:r>
+              <a:rPr lang="en-US" sz="2800" b="1" dirty="0" smtClean="0">
+                <a:effectLst>
+                  <a:outerShdw blurRad="38100" dist="38100" dir="2700000" algn="tl">
+                    <a:srgbClr val="000000">
+                      <a:alpha val="43137"/>
+                    </a:srgbClr>
+                  </a:outerShdw>
+                </a:effectLst>
+              </a:rPr>
+              <a:t>1 </a:t>
+            </a:r>
+            <a:r>
+              <a:rPr lang="en-US" sz="2400" dirty="0" smtClean="0"/>
+              <a:t>: Creation of role model</a:t>
+            </a:r>
+            <a:endParaRPr lang="en-US" b="1" dirty="0">
+              <a:effectLst>
+                <a:outerShdw blurRad="38100" dist="38100" dir="2700000" algn="tl">
+                  <a:srgbClr val="000000">
+                    <a:alpha val="43137"/>
+                  </a:srgbClr>
+                </a:outerShdw>
+              </a:effectLst>
+            </a:endParaRPr>
+          </a:p>
+        </p:txBody>
+      </p:sp>
+      <p:sp>
+        <p:nvSpPr>
+          <p:cNvPr id="189" name="ZoneTexte 188"/>
+          <p:cNvSpPr txBox="1"/>
+          <p:nvPr/>
+        </p:nvSpPr>
+        <p:spPr>
+          <a:xfrm>
+            <a:off x="1332360" y="8117791"/>
+            <a:ext cx="3946914" cy="892552"/>
+          </a:xfrm>
+          <a:prstGeom prst="rect">
+            <a:avLst/>
+          </a:prstGeom>
+          <a:noFill/>
+        </p:spPr>
+        <p:txBody>
+          <a:bodyPr wrap="none" rtlCol="0">
+            <a:spAutoFit/>
+          </a:bodyPr>
+          <a:lstStyle/>
+          <a:p>
+            <a:r>
+              <a:rPr lang="en-US" sz="2800" b="1" dirty="0" smtClean="0">
+                <a:effectLst>
+                  <a:outerShdw blurRad="38100" dist="38100" dir="2700000" algn="tl">
+                    <a:srgbClr val="000000">
+                      <a:alpha val="43137"/>
+                    </a:srgbClr>
+                  </a:outerShdw>
+                </a:effectLst>
+              </a:rPr>
+              <a:t>2</a:t>
+            </a:r>
+            <a:r>
+              <a:rPr lang="en-US" sz="2400" dirty="0" smtClean="0"/>
+              <a:t> : Formatting models and </a:t>
+            </a:r>
+          </a:p>
+          <a:p>
+            <a:r>
+              <a:rPr lang="en-US" sz="2400" dirty="0" smtClean="0"/>
+              <a:t>     data to a simulation tool</a:t>
+            </a:r>
+            <a:endParaRPr lang="en-US" sz="2000" dirty="0"/>
+          </a:p>
+        </p:txBody>
+      </p:sp>
+      <p:sp>
+        <p:nvSpPr>
+          <p:cNvPr id="190" name="ZoneTexte 189"/>
+          <p:cNvSpPr txBox="1"/>
+          <p:nvPr/>
+        </p:nvSpPr>
+        <p:spPr>
+          <a:xfrm>
+            <a:off x="1332360" y="11084966"/>
+            <a:ext cx="4067139" cy="892552"/>
+          </a:xfrm>
+          <a:prstGeom prst="rect">
+            <a:avLst/>
+          </a:prstGeom>
+          <a:noFill/>
+        </p:spPr>
+        <p:txBody>
+          <a:bodyPr wrap="none" rtlCol="0">
+            <a:spAutoFit/>
+          </a:bodyPr>
+          <a:lstStyle/>
+          <a:p>
+            <a:r>
+              <a:rPr lang="en-US" sz="2800" b="1" dirty="0" smtClean="0">
+                <a:effectLst>
+                  <a:outerShdw blurRad="38100" dist="38100" dir="2700000" algn="tl">
+                    <a:srgbClr val="000000">
+                      <a:alpha val="43137"/>
+                    </a:srgbClr>
+                  </a:outerShdw>
+                </a:effectLst>
+              </a:rPr>
+              <a:t>3</a:t>
+            </a:r>
+            <a:r>
+              <a:rPr lang="en-US" sz="2400" dirty="0" smtClean="0"/>
+              <a:t>: Highlighted of the unlikely</a:t>
+            </a:r>
+          </a:p>
+          <a:p>
+            <a:r>
+              <a:rPr lang="en-US" sz="2400" dirty="0"/>
+              <a:t> </a:t>
+            </a:r>
+            <a:r>
+              <a:rPr lang="en-US" sz="2400" dirty="0" smtClean="0"/>
+              <a:t>   </a:t>
+            </a:r>
+            <a:r>
+              <a:rPr lang="en-US" sz="2400" dirty="0" smtClean="0"/>
+              <a:t>hypotheses</a:t>
+            </a:r>
+            <a:endParaRPr lang="en-US" b="1" dirty="0">
+              <a:effectLst>
+                <a:outerShdw blurRad="38100" dist="38100" dir="2700000" algn="tl">
+                  <a:srgbClr val="000000">
+                    <a:alpha val="43137"/>
+                  </a:srgbClr>
+                </a:outerShdw>
+              </a:effectLst>
+            </a:endParaRPr>
+          </a:p>
+        </p:txBody>
+      </p:sp>
+      <p:grpSp>
+        <p:nvGrpSpPr>
+          <p:cNvPr id="86" name="Groupe 85"/>
+          <p:cNvGrpSpPr/>
+          <p:nvPr/>
+        </p:nvGrpSpPr>
+        <p:grpSpPr>
+          <a:xfrm>
+            <a:off x="9105193" y="4213411"/>
+            <a:ext cx="1344211" cy="2408489"/>
+            <a:chOff x="8949458" y="4222862"/>
+            <a:chExt cx="1344211" cy="2408489"/>
+          </a:xfrm>
+        </p:grpSpPr>
+        <p:grpSp>
+          <p:nvGrpSpPr>
+            <p:cNvPr id="2" name="Groupe 1"/>
+            <p:cNvGrpSpPr/>
+            <p:nvPr/>
+          </p:nvGrpSpPr>
+          <p:grpSpPr>
+            <a:xfrm>
+              <a:off x="9037607" y="4222862"/>
+              <a:ext cx="1256062" cy="2408489"/>
+              <a:chOff x="12013548" y="5402071"/>
+              <a:chExt cx="1382789" cy="2637623"/>
+            </a:xfrm>
+          </p:grpSpPr>
+          <p:sp>
+            <p:nvSpPr>
+              <p:cNvPr id="191" name="Flèche vers le bas 190"/>
+              <p:cNvSpPr/>
+              <p:nvPr/>
+            </p:nvSpPr>
+            <p:spPr>
+              <a:xfrm rot="2661821">
+                <a:off x="12013548" y="5736088"/>
+                <a:ext cx="1003009" cy="2303606"/>
+              </a:xfrm>
+              <a:prstGeom prst="downArrow">
+                <a:avLst>
+                  <a:gd name="adj1" fmla="val 50875"/>
+                  <a:gd name="adj2" fmla="val 50000"/>
+                </a:avLst>
+              </a:prstGeom>
+              <a:solidFill>
+                <a:schemeClr val="bg1"/>
+              </a:solidFill>
+              <a:ln w="50800">
+                <a:solidFill>
+                  <a:schemeClr val="tx1"/>
+                </a:solidFill>
+              </a:ln>
+            </p:spPr>
+            <p:style>
+              <a:lnRef idx="2">
+                <a:schemeClr val="accent1">
+                  <a:shade val="50000"/>
+                </a:schemeClr>
+              </a:lnRef>
+              <a:fillRef idx="1">
+                <a:schemeClr val="accent1"/>
+              </a:fillRef>
+              <a:effectRef idx="0">
+                <a:schemeClr val="accent1"/>
+              </a:effectRef>
+              <a:fontRef idx="minor">
+                <a:schemeClr val="lt1"/>
+              </a:fontRef>
+            </p:style>
+            <p:txBody>
+              <a:bodyPr rtlCol="0" anchor="ctr"/>
+              <a:lstStyle/>
+              <a:p>
+                <a:pPr algn="ctr"/>
+                <a:endParaRPr lang="en-US" b="1">
+                  <a:solidFill>
+                    <a:schemeClr val="tx1"/>
+                  </a:solidFill>
+                  <a:latin typeface="Agency FB" panose="020B0503020202020204" pitchFamily="34" charset="0"/>
+                </a:endParaRPr>
+              </a:p>
+            </p:txBody>
+          </p:sp>
+          <p:sp>
+            <p:nvSpPr>
+              <p:cNvPr id="193" name="Flèche vers le bas 192"/>
+              <p:cNvSpPr/>
+              <p:nvPr/>
+            </p:nvSpPr>
+            <p:spPr>
+              <a:xfrm rot="13440000">
+                <a:off x="12393328" y="5402071"/>
+                <a:ext cx="1003009" cy="2189739"/>
+              </a:xfrm>
+              <a:prstGeom prst="downArrow">
+                <a:avLst>
+                  <a:gd name="adj1" fmla="val 50875"/>
+                  <a:gd name="adj2" fmla="val 50000"/>
+                </a:avLst>
+              </a:prstGeom>
+              <a:solidFill>
+                <a:schemeClr val="bg1"/>
+              </a:solidFill>
+              <a:ln w="50800">
+                <a:solidFill>
+                  <a:schemeClr val="tx1"/>
+                </a:solidFill>
+              </a:ln>
+            </p:spPr>
+            <p:style>
+              <a:lnRef idx="2">
+                <a:schemeClr val="accent1">
+                  <a:shade val="50000"/>
+                </a:schemeClr>
+              </a:lnRef>
+              <a:fillRef idx="1">
+                <a:schemeClr val="accent1"/>
+              </a:fillRef>
+              <a:effectRef idx="0">
+                <a:schemeClr val="accent1"/>
+              </a:effectRef>
+              <a:fontRef idx="minor">
+                <a:schemeClr val="lt1"/>
+              </a:fontRef>
+            </p:style>
+            <p:txBody>
+              <a:bodyPr rtlCol="0" anchor="ctr"/>
+              <a:lstStyle/>
+              <a:p>
+                <a:pPr algn="ctr"/>
+                <a:endParaRPr lang="en-US" b="1">
+                  <a:solidFill>
+                    <a:schemeClr val="tx1"/>
+                  </a:solidFill>
+                  <a:latin typeface="Agency FB" panose="020B0503020202020204" pitchFamily="34" charset="0"/>
+                </a:endParaRPr>
+              </a:p>
+            </p:txBody>
+          </p:sp>
+        </p:grpSp>
+        <p:sp>
+          <p:nvSpPr>
+            <p:cNvPr id="3" name="Rectangle 2"/>
+            <p:cNvSpPr/>
+            <p:nvPr/>
+          </p:nvSpPr>
+          <p:spPr>
+            <a:xfrm rot="13440000">
+              <a:off x="8949458" y="5839541"/>
+              <a:ext cx="415267" cy="168821"/>
+            </a:xfrm>
+            <a:prstGeom prst="rect">
+              <a:avLst/>
+            </a:prstGeom>
+            <a:solidFill>
+              <a:schemeClr val="bg1"/>
+            </a:solidFill>
+            <a:ln>
+              <a:noFill/>
+            </a:ln>
+          </p:spPr>
+          <p:style>
+            <a:lnRef idx="2">
+              <a:schemeClr val="accent1">
+                <a:shade val="50000"/>
+              </a:schemeClr>
+            </a:lnRef>
+            <a:fillRef idx="1">
+              <a:schemeClr val="accent1"/>
+            </a:fillRef>
+            <a:effectRef idx="0">
+              <a:schemeClr val="accent1"/>
+            </a:effectRef>
+            <a:fontRef idx="minor">
+              <a:schemeClr val="lt1"/>
+            </a:fontRef>
+          </p:style>
+          <p:txBody>
+            <a:bodyPr rtlCol="0" anchor="ctr"/>
+            <a:lstStyle/>
+            <a:p>
+              <a:pPr algn="ctr"/>
+              <a:endParaRPr lang="en-US"/>
+            </a:p>
+          </p:txBody>
+        </p:sp>
+      </p:grpSp>
+      <p:sp>
+        <p:nvSpPr>
+          <p:cNvPr id="183" name="ZoneTexte 182"/>
+          <p:cNvSpPr txBox="1"/>
+          <p:nvPr/>
+        </p:nvSpPr>
+        <p:spPr>
+          <a:xfrm>
+            <a:off x="9572415" y="5186326"/>
             <a:ext cx="385042" cy="523220"/>
           </a:xfrm>
           <a:prstGeom prst="rect">
@@ -9840,15 +10334,203 @@
           </a:p>
         </p:txBody>
       </p:sp>
+      <p:grpSp>
+        <p:nvGrpSpPr>
+          <p:cNvPr id="194" name="Groupe 193"/>
+          <p:cNvGrpSpPr/>
+          <p:nvPr/>
+        </p:nvGrpSpPr>
+        <p:grpSpPr>
+          <a:xfrm rot="5400000">
+            <a:off x="5152193" y="4207767"/>
+            <a:ext cx="1344211" cy="2408489"/>
+            <a:chOff x="8949458" y="4222862"/>
+            <a:chExt cx="1344211" cy="2408489"/>
+          </a:xfrm>
+        </p:grpSpPr>
+        <p:grpSp>
+          <p:nvGrpSpPr>
+            <p:cNvPr id="195" name="Groupe 194"/>
+            <p:cNvGrpSpPr/>
+            <p:nvPr/>
+          </p:nvGrpSpPr>
+          <p:grpSpPr>
+            <a:xfrm>
+              <a:off x="9037607" y="4222862"/>
+              <a:ext cx="1256062" cy="2408489"/>
+              <a:chOff x="12013548" y="5402071"/>
+              <a:chExt cx="1382789" cy="2637623"/>
+            </a:xfrm>
+          </p:grpSpPr>
+          <p:sp>
+            <p:nvSpPr>
+              <p:cNvPr id="197" name="Flèche vers le bas 196"/>
+              <p:cNvSpPr/>
+              <p:nvPr/>
+            </p:nvSpPr>
+            <p:spPr>
+              <a:xfrm rot="2661821">
+                <a:off x="12013548" y="5736088"/>
+                <a:ext cx="1003009" cy="2303606"/>
+              </a:xfrm>
+              <a:prstGeom prst="downArrow">
+                <a:avLst>
+                  <a:gd name="adj1" fmla="val 50875"/>
+                  <a:gd name="adj2" fmla="val 50000"/>
+                </a:avLst>
+              </a:prstGeom>
+              <a:solidFill>
+                <a:schemeClr val="bg1"/>
+              </a:solidFill>
+              <a:ln w="50800">
+                <a:solidFill>
+                  <a:schemeClr val="tx1"/>
+                </a:solidFill>
+              </a:ln>
+            </p:spPr>
+            <p:style>
+              <a:lnRef idx="2">
+                <a:schemeClr val="accent1">
+                  <a:shade val="50000"/>
+                </a:schemeClr>
+              </a:lnRef>
+              <a:fillRef idx="1">
+                <a:schemeClr val="accent1"/>
+              </a:fillRef>
+              <a:effectRef idx="0">
+                <a:schemeClr val="accent1"/>
+              </a:effectRef>
+              <a:fontRef idx="minor">
+                <a:schemeClr val="lt1"/>
+              </a:fontRef>
+            </p:style>
+            <p:txBody>
+              <a:bodyPr rtlCol="0" anchor="ctr"/>
+              <a:lstStyle/>
+              <a:p>
+                <a:pPr algn="ctr"/>
+                <a:endParaRPr lang="en-US" b="1">
+                  <a:solidFill>
+                    <a:schemeClr val="tx1"/>
+                  </a:solidFill>
+                  <a:latin typeface="Agency FB" panose="020B0503020202020204" pitchFamily="34" charset="0"/>
+                </a:endParaRPr>
+              </a:p>
+            </p:txBody>
+          </p:sp>
+          <p:sp>
+            <p:nvSpPr>
+              <p:cNvPr id="198" name="Flèche vers le bas 197"/>
+              <p:cNvSpPr/>
+              <p:nvPr/>
+            </p:nvSpPr>
+            <p:spPr>
+              <a:xfrm rot="13440000">
+                <a:off x="12393328" y="5402071"/>
+                <a:ext cx="1003009" cy="2189739"/>
+              </a:xfrm>
+              <a:prstGeom prst="downArrow">
+                <a:avLst>
+                  <a:gd name="adj1" fmla="val 50875"/>
+                  <a:gd name="adj2" fmla="val 50000"/>
+                </a:avLst>
+              </a:prstGeom>
+              <a:solidFill>
+                <a:schemeClr val="bg1"/>
+              </a:solidFill>
+              <a:ln w="50800">
+                <a:solidFill>
+                  <a:schemeClr val="tx1"/>
+                </a:solidFill>
+              </a:ln>
+            </p:spPr>
+            <p:style>
+              <a:lnRef idx="2">
+                <a:schemeClr val="accent1">
+                  <a:shade val="50000"/>
+                </a:schemeClr>
+              </a:lnRef>
+              <a:fillRef idx="1">
+                <a:schemeClr val="accent1"/>
+              </a:fillRef>
+              <a:effectRef idx="0">
+                <a:schemeClr val="accent1"/>
+              </a:effectRef>
+              <a:fontRef idx="minor">
+                <a:schemeClr val="lt1"/>
+              </a:fontRef>
+            </p:style>
+            <p:txBody>
+              <a:bodyPr rtlCol="0" anchor="ctr"/>
+              <a:lstStyle/>
+              <a:p>
+                <a:pPr algn="ctr"/>
+                <a:endParaRPr lang="en-US" b="1">
+                  <a:solidFill>
+                    <a:schemeClr val="tx1"/>
+                  </a:solidFill>
+                  <a:latin typeface="Agency FB" panose="020B0503020202020204" pitchFamily="34" charset="0"/>
+                </a:endParaRPr>
+              </a:p>
+            </p:txBody>
+          </p:sp>
+        </p:grpSp>
+        <p:sp>
+          <p:nvSpPr>
+            <p:cNvPr id="196" name="Rectangle 195"/>
+            <p:cNvSpPr/>
+            <p:nvPr/>
+          </p:nvSpPr>
+          <p:spPr>
+            <a:xfrm rot="13440000">
+              <a:off x="8949458" y="5839541"/>
+              <a:ext cx="415267" cy="168821"/>
+            </a:xfrm>
+            <a:prstGeom prst="rect">
+              <a:avLst/>
+            </a:prstGeom>
+            <a:solidFill>
+              <a:schemeClr val="bg1"/>
+            </a:solidFill>
+            <a:ln>
+              <a:noFill/>
+            </a:ln>
+          </p:spPr>
+          <p:style>
+            <a:lnRef idx="2">
+              <a:schemeClr val="accent1">
+                <a:shade val="50000"/>
+              </a:schemeClr>
+            </a:lnRef>
+            <a:fillRef idx="1">
+              <a:schemeClr val="accent1"/>
+            </a:fillRef>
+            <a:effectRef idx="0">
+              <a:schemeClr val="accent1"/>
+            </a:effectRef>
+            <a:fontRef idx="minor">
+              <a:schemeClr val="lt1"/>
+            </a:fontRef>
+          </p:style>
+          <p:txBody>
+            <a:bodyPr rtlCol="0" anchor="ctr"/>
+            <a:lstStyle/>
+            <a:p>
+              <a:pPr algn="ctr"/>
+              <a:endParaRPr lang="en-US"/>
+            </a:p>
+          </p:txBody>
+        </p:sp>
+      </p:grpSp>
       <p:sp>
         <p:nvSpPr>
-          <p:cNvPr id="183" name="ZoneTexte 182"/>
+          <p:cNvPr id="199" name="ZoneTexte 198"/>
           <p:cNvSpPr txBox="1"/>
           <p:nvPr/>
         </p:nvSpPr>
         <p:spPr>
           <a:xfrm>
-            <a:off x="9660286" y="5040611"/>
+            <a:off x="5652627" y="5190572"/>
             <a:ext cx="385042" cy="523220"/>
           </a:xfrm>
           <a:prstGeom prst="rect">
@@ -9888,19 +10570,21 @@
       </p:sp>
       <p:sp>
         <p:nvSpPr>
-          <p:cNvPr id="184" name="Flèche vers le bas 183"/>
+          <p:cNvPr id="200" name="Flèche vers le bas 199"/>
           <p:cNvSpPr/>
           <p:nvPr/>
         </p:nvSpPr>
         <p:spPr>
-          <a:xfrm>
-            <a:off x="7560961" y="7848923"/>
-            <a:ext cx="1042242" cy="1584176"/>
+          <a:xfrm rot="5400000">
+            <a:off x="11007787" y="5698499"/>
+            <a:ext cx="1042242" cy="2649462"/>
           </a:xfrm>
           <a:prstGeom prst="downArrow">
             <a:avLst/>
           </a:prstGeom>
-          <a:noFill/>
+          <a:solidFill>
+            <a:schemeClr val="bg1"/>
+          </a:solidFill>
           <a:ln w="50800">
             <a:solidFill>
               <a:schemeClr val="tx1"/>
@@ -9939,65 +10623,69 @@
       </p:sp>
       <p:sp>
         <p:nvSpPr>
-          <p:cNvPr id="185" name="ZoneTexte 184"/>
-          <p:cNvSpPr txBox="1"/>
-          <p:nvPr/>
-        </p:nvSpPr>
-        <p:spPr>
-          <a:xfrm>
-            <a:off x="7867656" y="8117791"/>
-            <a:ext cx="385042" cy="523220"/>
-          </a:xfrm>
-          <a:prstGeom prst="rect">
-            <a:avLst/>
-          </a:prstGeom>
-          <a:noFill/>
-        </p:spPr>
-        <p:txBody>
-          <a:bodyPr wrap="none" rtlCol="0">
-            <a:spAutoFit/>
-          </a:bodyPr>
-          <a:lstStyle/>
-          <a:p>
-            <a:r>
-              <a:rPr lang="en-US" sz="2800" b="1" dirty="0">
-                <a:effectLst>
-                  <a:outerShdw blurRad="38100" dist="38100" dir="2700000" algn="tl">
-                    <a:srgbClr val="000000">
-                      <a:alpha val="43137"/>
-                    </a:srgbClr>
-                  </a:outerShdw>
-                </a:effectLst>
-              </a:rPr>
-              <a:t>2</a:t>
-            </a:r>
-            <a:endParaRPr lang="en-US" b="1" dirty="0">
-              <a:effectLst>
-                <a:outerShdw blurRad="38100" dist="38100" dir="2700000" algn="tl">
-                  <a:srgbClr val="000000">
-                    <a:alpha val="43137"/>
-                  </a:srgbClr>
-                </a:outerShdw>
-              </a:effectLst>
-            </a:endParaRPr>
-          </a:p>
-        </p:txBody>
-      </p:sp>
-      <p:sp>
-        <p:nvSpPr>
-          <p:cNvPr id="186" name="Flèche vers le bas 185"/>
+          <p:cNvPr id="1025" name="Rectangle 1024"/>
           <p:cNvSpPr/>
           <p:nvPr/>
         </p:nvSpPr>
         <p:spPr>
           <a:xfrm>
-            <a:off x="7525052" y="10873259"/>
-            <a:ext cx="1042242" cy="1471989"/>
+            <a:off x="12345977" y="7239760"/>
+            <a:ext cx="482524" cy="72008"/>
           </a:xfrm>
-          <a:prstGeom prst="downArrow">
+          <a:prstGeom prst="rect">
             <a:avLst/>
           </a:prstGeom>
-          <a:noFill/>
+          <a:solidFill>
+            <a:schemeClr val="bg1"/>
+          </a:solidFill>
+          <a:ln w="0">
+            <a:solidFill>
+              <a:schemeClr val="bg1"/>
+            </a:solidFill>
+          </a:ln>
+        </p:spPr>
+        <p:style>
+          <a:lnRef idx="2">
+            <a:schemeClr val="accent1">
+              <a:shade val="50000"/>
+            </a:schemeClr>
+          </a:lnRef>
+          <a:fillRef idx="1">
+            <a:schemeClr val="accent1"/>
+          </a:fillRef>
+          <a:effectRef idx="0">
+            <a:schemeClr val="accent1"/>
+          </a:effectRef>
+          <a:fontRef idx="minor">
+            <a:schemeClr val="lt1"/>
+          </a:fontRef>
+        </p:style>
+        <p:txBody>
+          <a:bodyPr rtlCol="0" anchor="ctr"/>
+          <a:lstStyle/>
+          <a:p>
+            <a:pPr algn="ctr"/>
+            <a:endParaRPr lang="en-US"/>
+          </a:p>
+        </p:txBody>
+      </p:sp>
+      <p:sp>
+        <p:nvSpPr>
+          <p:cNvPr id="202" name="Rectangle 201"/>
+          <p:cNvSpPr/>
+          <p:nvPr/>
+        </p:nvSpPr>
+        <p:spPr>
+          <a:xfrm rot="5400000" flipH="1">
+            <a:off x="11284003" y="8849942"/>
+            <a:ext cx="532800" cy="2606473"/>
+          </a:xfrm>
+          <a:prstGeom prst="rect">
+            <a:avLst/>
+          </a:prstGeom>
+          <a:solidFill>
+            <a:schemeClr val="bg1"/>
+          </a:solidFill>
           <a:ln w="50800">
             <a:solidFill>
               <a:schemeClr val="tx1"/>
@@ -10025,24 +10713,67 @@
           <a:lstStyle/>
           <a:p>
             <a:pPr algn="ctr"/>
-            <a:endParaRPr lang="en-US" b="1">
-              <a:solidFill>
-                <a:schemeClr val="tx1"/>
-              </a:solidFill>
-              <a:latin typeface="Agency FB" panose="020B0503020202020204" pitchFamily="34" charset="0"/>
-            </a:endParaRPr>
+            <a:endParaRPr lang="en-US"/>
           </a:p>
         </p:txBody>
       </p:sp>
       <p:sp>
         <p:nvSpPr>
-          <p:cNvPr id="187" name="ZoneTexte 186"/>
+          <p:cNvPr id="203" name="Rectangle 202"/>
+          <p:cNvSpPr/>
+          <p:nvPr/>
+        </p:nvSpPr>
+        <p:spPr>
+          <a:xfrm>
+            <a:off x="12345977" y="9856800"/>
+            <a:ext cx="482524" cy="72008"/>
+          </a:xfrm>
+          <a:prstGeom prst="rect">
+            <a:avLst/>
+          </a:prstGeom>
+          <a:solidFill>
+            <a:schemeClr val="bg1"/>
+          </a:solidFill>
+          <a:ln w="0">
+            <a:solidFill>
+              <a:schemeClr val="bg1"/>
+            </a:solidFill>
+          </a:ln>
+        </p:spPr>
+        <p:style>
+          <a:lnRef idx="2">
+            <a:schemeClr val="accent1">
+              <a:shade val="50000"/>
+            </a:schemeClr>
+          </a:lnRef>
+          <a:fillRef idx="1">
+            <a:schemeClr val="accent1"/>
+          </a:fillRef>
+          <a:effectRef idx="0">
+            <a:schemeClr val="accent1"/>
+          </a:effectRef>
+          <a:fontRef idx="minor">
+            <a:schemeClr val="lt1"/>
+          </a:fontRef>
+        </p:style>
+        <p:txBody>
+          <a:bodyPr rtlCol="0" anchor="ctr"/>
+          <a:lstStyle/>
+          <a:p>
+            <a:pPr algn="ctr"/>
+            <a:endParaRPr lang="en-US"/>
+          </a:p>
+        </p:txBody>
+      </p:sp>
+      <p:sp>
+        <p:nvSpPr>
+          <p:cNvPr id="204" name="ZoneTexte 203"/>
           <p:cNvSpPr txBox="1"/>
           <p:nvPr/>
         </p:nvSpPr>
         <p:spPr>
           <a:xfrm>
-            <a:off x="7867656" y="11086033"/>
+            <a:off x="12394718" y="8302457"/>
             <a:ext cx="385042" cy="523220"/>
           </a:xfrm>
           <a:prstGeom prst="rect">
@@ -10057,7 +10788,7 @@
           <a:lstStyle/>
           <a:p>
             <a:r>
-              <a:rPr lang="en-US" sz="2800" b="1" dirty="0" smtClean="0">
+              <a:rPr lang="en-US" sz="2800" b="1" dirty="0">
                 <a:effectLst>
                   <a:outerShdw blurRad="38100" dist="38100" dir="2700000" algn="tl">
                     <a:srgbClr val="000000">
@@ -10066,7 +10797,7 @@
                   </a:outerShdw>
                 </a:effectLst>
               </a:rPr>
-              <a:t>3</a:t>
+              <a:t>4</a:t>
             </a:r>
             <a:endParaRPr lang="en-US" b="1" dirty="0">
               <a:effectLst>
@@ -10082,14 +10813,14 @@
       </p:sp>
       <p:sp>
         <p:nvSpPr>
-          <p:cNvPr id="188" name="ZoneTexte 187"/>
+          <p:cNvPr id="205" name="ZoneTexte 204"/>
           <p:cNvSpPr txBox="1"/>
           <p:nvPr/>
         </p:nvSpPr>
         <p:spPr>
           <a:xfrm>
-            <a:off x="1332360" y="5190572"/>
-            <a:ext cx="3685624" cy="523220"/>
+            <a:off x="13789744" y="8332581"/>
+            <a:ext cx="5077031" cy="892552"/>
           </a:xfrm>
           <a:prstGeom prst="rect">
             <a:avLst/>
@@ -10112,129 +10843,23 @@
                   </a:outerShdw>
                 </a:effectLst>
               </a:rPr>
-              <a:t>1 </a:t>
+              <a:t>4</a:t>
+            </a:r>
+            <a:r>
+              <a:rPr lang="en-US" sz="2400" dirty="0"/>
+              <a:t>: </a:t>
             </a:r>
             <a:r>
               <a:rPr lang="en-US" sz="2400" dirty="0" smtClean="0"/>
-              <a:t>: Creation of role model</a:t>
+              <a:t>Update the role model according</a:t>
             </a:r>
-            <a:endParaRPr lang="en-US" b="1" dirty="0">
-              <a:effectLst>
-                <a:outerShdw blurRad="38100" dist="38100" dir="2700000" algn="tl">
-                  <a:srgbClr val="000000">
-                    <a:alpha val="43137"/>
-                  </a:srgbClr>
-                </a:outerShdw>
-              </a:effectLst>
-            </a:endParaRPr>
-          </a:p>
-        </p:txBody>
-      </p:sp>
-      <p:sp>
-        <p:nvSpPr>
-          <p:cNvPr id="189" name="ZoneTexte 188"/>
-          <p:cNvSpPr txBox="1"/>
-          <p:nvPr/>
-        </p:nvSpPr>
-        <p:spPr>
-          <a:xfrm>
-            <a:off x="1332360" y="8117791"/>
-            <a:ext cx="3946914" cy="892552"/>
-          </a:xfrm>
-          <a:prstGeom prst="rect">
-            <a:avLst/>
-          </a:prstGeom>
-          <a:noFill/>
-        </p:spPr>
-        <p:txBody>
-          <a:bodyPr wrap="none" rtlCol="0">
-            <a:spAutoFit/>
-          </a:bodyPr>
-          <a:lstStyle/>
-          <a:p>
-            <a:r>
-              <a:rPr lang="en-US" sz="2800" b="1" dirty="0" smtClean="0">
-                <a:effectLst>
-                  <a:outerShdw blurRad="38100" dist="38100" dir="2700000" algn="tl">
-                    <a:srgbClr val="000000">
-                      <a:alpha val="43137"/>
-                    </a:srgbClr>
-                  </a:outerShdw>
-                </a:effectLst>
-              </a:rPr>
-              <a:t>2</a:t>
-            </a:r>
+          </a:p>
+          <a:p>
             <a:r>
               <a:rPr lang="en-US" sz="2400" dirty="0" smtClean="0"/>
-              <a:t> : Formatting models and </a:t>
+              <a:t>    the likely hypotheses</a:t>
             </a:r>
-          </a:p>
-          <a:p>
-            <a:r>
-              <a:rPr lang="en-US" sz="2400" dirty="0" smtClean="0"/>
-              <a:t>     data to a simulation tool</a:t>
-            </a:r>
-            <a:endParaRPr lang="en-US" sz="2000" dirty="0"/>
-          </a:p>
-        </p:txBody>
-      </p:sp>
-      <p:sp>
-        <p:nvSpPr>
-          <p:cNvPr id="190" name="ZoneTexte 189"/>
-          <p:cNvSpPr txBox="1"/>
-          <p:nvPr/>
-        </p:nvSpPr>
-        <p:spPr>
-          <a:xfrm>
-            <a:off x="1332360" y="11084966"/>
-            <a:ext cx="4067139" cy="892552"/>
-          </a:xfrm>
-          <a:prstGeom prst="rect">
-            <a:avLst/>
-          </a:prstGeom>
-          <a:noFill/>
-        </p:spPr>
-        <p:txBody>
-          <a:bodyPr wrap="none" rtlCol="0">
-            <a:spAutoFit/>
-          </a:bodyPr>
-          <a:lstStyle/>
-          <a:p>
-            <a:r>
-              <a:rPr lang="en-US" sz="2800" b="1" dirty="0" smtClean="0">
-                <a:effectLst>
-                  <a:outerShdw blurRad="38100" dist="38100" dir="2700000" algn="tl">
-                    <a:srgbClr val="000000">
-                      <a:alpha val="43137"/>
-                    </a:srgbClr>
-                  </a:outerShdw>
-                </a:effectLst>
-              </a:rPr>
-              <a:t>3</a:t>
-            </a:r>
-            <a:r>
-              <a:rPr lang="en-US" sz="2400" dirty="0" smtClean="0"/>
-              <a:t>: Highlighted of the unlikely</a:t>
-            </a:r>
-          </a:p>
-          <a:p>
-            <a:r>
-              <a:rPr lang="en-US" sz="2400" dirty="0"/>
-              <a:t> </a:t>
-            </a:r>
-            <a:r>
-              <a:rPr lang="en-US" sz="2400" dirty="0" smtClean="0"/>
-              <a:t>   hypothesis</a:t>
-            </a:r>
-            <a:endParaRPr lang="en-US" b="1" dirty="0">
-              <a:effectLst>
-                <a:outerShdw blurRad="38100" dist="38100" dir="2700000" algn="tl">
-                  <a:srgbClr val="000000">
-                    <a:alpha val="43137"/>
-                  </a:srgbClr>
-                </a:outerShdw>
-              </a:effectLst>
-            </a:endParaRPr>
+            <a:endParaRPr lang="en-US" sz="2400" dirty="0"/>
           </a:p>
         </p:txBody>
       </p:sp>

--- a/documentation/docTravail/seancesTravail/cyber/Simu.pptx
+++ b/documentation/docTravail/seancesTravail/cyber/Simu.pptx
@@ -139,7 +139,7 @@
   </p:defaultTextStyle>
   <p:extLst>
     <p:ext uri="{EFAFB233-063F-42B5-8137-9DF3F51BA10A}">
-      <p15:sldGuideLst xmlns="" xmlns:p15="http://schemas.microsoft.com/office/powerpoint/2012/main">
+      <p15:sldGuideLst xmlns:p15="http://schemas.microsoft.com/office/powerpoint/2012/main" xmlns="">
         <p15:guide id="1" orient="horz" pos="9526">
           <p15:clr>
             <a:srgbClr val="A4A3A4"/>
@@ -263,7 +263,7 @@
               <a:pPr>
                 <a:defRPr/>
               </a:pPr>
-              <a:t>06/04/2016</a:t>
+              <a:t>08/04/2016</a:t>
             </a:fld>
             <a:endParaRPr lang="fr-FR"/>
           </a:p>
@@ -1131,7 +1131,7 @@
               <a:pPr>
                 <a:defRPr/>
               </a:pPr>
-              <a:t>06/04/2016</a:t>
+              <a:t>08/04/2016</a:t>
             </a:fld>
             <a:endParaRPr lang="fr-FR"/>
           </a:p>
@@ -1333,7 +1333,7 @@
               <a:pPr>
                 <a:defRPr/>
               </a:pPr>
-              <a:t>06/04/2016</a:t>
+              <a:t>08/04/2016</a:t>
             </a:fld>
             <a:endParaRPr lang="fr-FR"/>
           </a:p>
@@ -1525,7 +1525,7 @@
               <a:pPr>
                 <a:defRPr/>
               </a:pPr>
-              <a:t>06/04/2016</a:t>
+              <a:t>08/04/2016</a:t>
             </a:fld>
             <a:endParaRPr lang="fr-FR"/>
           </a:p>
@@ -1793,7 +1793,7 @@
               <a:pPr>
                 <a:defRPr/>
               </a:pPr>
-              <a:t>06/04/2016</a:t>
+              <a:t>08/04/2016</a:t>
             </a:fld>
             <a:endParaRPr lang="fr-FR"/>
           </a:p>
@@ -2103,7 +2103,7 @@
               <a:pPr>
                 <a:defRPr/>
               </a:pPr>
-              <a:t>06/04/2016</a:t>
+              <a:t>08/04/2016</a:t>
             </a:fld>
             <a:endParaRPr lang="fr-FR"/>
           </a:p>
@@ -2547,7 +2547,7 @@
               <a:pPr>
                 <a:defRPr/>
               </a:pPr>
-              <a:t>06/04/2016</a:t>
+              <a:t>08/04/2016</a:t>
             </a:fld>
             <a:endParaRPr lang="fr-FR"/>
           </a:p>
@@ -2687,7 +2687,7 @@
               <a:pPr>
                 <a:defRPr/>
               </a:pPr>
-              <a:t>06/04/2016</a:t>
+              <a:t>08/04/2016</a:t>
             </a:fld>
             <a:endParaRPr lang="fr-FR"/>
           </a:p>
@@ -2804,7 +2804,7 @@
               <a:pPr>
                 <a:defRPr/>
               </a:pPr>
-              <a:t>06/04/2016</a:t>
+              <a:t>08/04/2016</a:t>
             </a:fld>
             <a:endParaRPr lang="fr-FR"/>
           </a:p>
@@ -3103,7 +3103,7 @@
               <a:pPr>
                 <a:defRPr/>
               </a:pPr>
-              <a:t>06/04/2016</a:t>
+              <a:t>08/04/2016</a:t>
             </a:fld>
             <a:endParaRPr lang="fr-FR"/>
           </a:p>
@@ -3381,7 +3381,7 @@
               <a:pPr>
                 <a:defRPr/>
               </a:pPr>
-              <a:t>06/04/2016</a:t>
+              <a:t>08/04/2016</a:t>
             </a:fld>
             <a:endParaRPr lang="fr-FR"/>
           </a:p>
@@ -3636,7 +3636,7 @@
               <a:pPr>
                 <a:defRPr/>
               </a:pPr>
-              <a:t>06/04/2016</a:t>
+              <a:t>08/04/2016</a:t>
             </a:fld>
             <a:endParaRPr lang="fr-FR"/>
           </a:p>
@@ -4167,7 +4167,7 @@
         <p:spPr>
           <a:xfrm flipH="1">
             <a:off x="12320839" y="6768803"/>
-            <a:ext cx="532800" cy="3650776"/>
+            <a:ext cx="532800" cy="7567186"/>
           </a:xfrm>
           <a:prstGeom prst="rect">
             <a:avLst/>
@@ -10082,11 +10082,7 @@
             </a:r>
             <a:r>
               <a:rPr lang="en-US" sz="2400" dirty="0" smtClean="0"/>
-              <a:t>   </a:t>
-            </a:r>
-            <a:r>
-              <a:rPr lang="en-US" sz="2400" dirty="0" smtClean="0"/>
-              <a:t>hypotheses</a:t>
+              <a:t>   hypotheses</a:t>
             </a:r>
             <a:endParaRPr lang="en-US" b="1" dirty="0">
               <a:effectLst>
@@ -10677,8 +10673,8 @@
         </p:nvSpPr>
         <p:spPr>
           <a:xfrm rot="5400000" flipH="1">
-            <a:off x="11284003" y="8849942"/>
-            <a:ext cx="532800" cy="2606473"/>
+            <a:off x="11935619" y="13433789"/>
+            <a:ext cx="532801" cy="1303237"/>
           </a:xfrm>
           <a:prstGeom prst="rect">
             <a:avLst/>
@@ -10725,7 +10721,7 @@
         </p:nvSpPr>
         <p:spPr>
           <a:xfrm>
-            <a:off x="12345977" y="9856800"/>
+            <a:off x="12345977" y="13770371"/>
             <a:ext cx="482524" cy="72008"/>
           </a:xfrm>
           <a:prstGeom prst="rect">
@@ -10773,7 +10769,7 @@
         </p:nvSpPr>
         <p:spPr>
           <a:xfrm>
-            <a:off x="12394718" y="8302457"/>
+            <a:off x="12394718" y="9701967"/>
             <a:ext cx="385042" cy="523220"/>
           </a:xfrm>
           <a:prstGeom prst="rect">

--- a/documentation/docTravail/seancesTravail/cyber/Simu.pptx
+++ b/documentation/docTravail/seancesTravail/cyber/Simu.pptx
@@ -139,7 +139,7 @@
   </p:defaultTextStyle>
   <p:extLst>
     <p:ext uri="{EFAFB233-063F-42B5-8137-9DF3F51BA10A}">
-      <p15:sldGuideLst xmlns:p15="http://schemas.microsoft.com/office/powerpoint/2012/main" xmlns="">
+      <p15:sldGuideLst xmlns="" xmlns:p15="http://schemas.microsoft.com/office/powerpoint/2012/main">
         <p15:guide id="1" orient="horz" pos="9526">
           <p15:clr>
             <a:srgbClr val="A4A3A4"/>
@@ -263,7 +263,7 @@
               <a:pPr>
                 <a:defRPr/>
               </a:pPr>
-              <a:t>08/04/2016</a:t>
+              <a:t>11/04/2016</a:t>
             </a:fld>
             <a:endParaRPr lang="fr-FR"/>
           </a:p>
@@ -1131,7 +1131,7 @@
               <a:pPr>
                 <a:defRPr/>
               </a:pPr>
-              <a:t>08/04/2016</a:t>
+              <a:t>11/04/2016</a:t>
             </a:fld>
             <a:endParaRPr lang="fr-FR"/>
           </a:p>
@@ -1333,7 +1333,7 @@
               <a:pPr>
                 <a:defRPr/>
               </a:pPr>
-              <a:t>08/04/2016</a:t>
+              <a:t>11/04/2016</a:t>
             </a:fld>
             <a:endParaRPr lang="fr-FR"/>
           </a:p>
@@ -1525,7 +1525,7 @@
               <a:pPr>
                 <a:defRPr/>
               </a:pPr>
-              <a:t>08/04/2016</a:t>
+              <a:t>11/04/2016</a:t>
             </a:fld>
             <a:endParaRPr lang="fr-FR"/>
           </a:p>
@@ -1793,7 +1793,7 @@
               <a:pPr>
                 <a:defRPr/>
               </a:pPr>
-              <a:t>08/04/2016</a:t>
+              <a:t>11/04/2016</a:t>
             </a:fld>
             <a:endParaRPr lang="fr-FR"/>
           </a:p>
@@ -2103,7 +2103,7 @@
               <a:pPr>
                 <a:defRPr/>
               </a:pPr>
-              <a:t>08/04/2016</a:t>
+              <a:t>11/04/2016</a:t>
             </a:fld>
             <a:endParaRPr lang="fr-FR"/>
           </a:p>
@@ -2547,7 +2547,7 @@
               <a:pPr>
                 <a:defRPr/>
               </a:pPr>
-              <a:t>08/04/2016</a:t>
+              <a:t>11/04/2016</a:t>
             </a:fld>
             <a:endParaRPr lang="fr-FR"/>
           </a:p>
@@ -2687,7 +2687,7 @@
               <a:pPr>
                 <a:defRPr/>
               </a:pPr>
-              <a:t>08/04/2016</a:t>
+              <a:t>11/04/2016</a:t>
             </a:fld>
             <a:endParaRPr lang="fr-FR"/>
           </a:p>
@@ -2804,7 +2804,7 @@
               <a:pPr>
                 <a:defRPr/>
               </a:pPr>
-              <a:t>08/04/2016</a:t>
+              <a:t>11/04/2016</a:t>
             </a:fld>
             <a:endParaRPr lang="fr-FR"/>
           </a:p>
@@ -3103,7 +3103,7 @@
               <a:pPr>
                 <a:defRPr/>
               </a:pPr>
-              <a:t>08/04/2016</a:t>
+              <a:t>11/04/2016</a:t>
             </a:fld>
             <a:endParaRPr lang="fr-FR"/>
           </a:p>
@@ -3381,7 +3381,7 @@
               <a:pPr>
                 <a:defRPr/>
               </a:pPr>
-              <a:t>08/04/2016</a:t>
+              <a:t>11/04/2016</a:t>
             </a:fld>
             <a:endParaRPr lang="fr-FR"/>
           </a:p>
@@ -3636,7 +3636,7 @@
               <a:pPr>
                 <a:defRPr/>
               </a:pPr>
-              <a:t>08/04/2016</a:t>
+              <a:t>11/04/2016</a:t>
             </a:fld>
             <a:endParaRPr lang="fr-FR"/>
           </a:p>
@@ -6815,13 +6815,13 @@
           <a:p>
             <a:pPr algn="ctr"/>
             <a:r>
-              <a:rPr lang="en-US" b="1" dirty="0" smtClean="0">
+              <a:rPr lang="en-US" b="1" smtClean="0">
                 <a:solidFill>
                   <a:schemeClr val="tx1"/>
                 </a:solidFill>
                 <a:latin typeface="Agency FB" panose="020B0503020202020204" pitchFamily="34" charset="0"/>
               </a:rPr>
-              <a:t>Morphose</a:t>
+              <a:t>NewAge</a:t>
             </a:r>
             <a:endParaRPr lang="en-US" b="1" dirty="0">
               <a:solidFill>
